--- a/static/img/featured-flag-template.pptx
+++ b/static/img/featured-flag-template.pptx
@@ -125,227 +125,6 @@
 </p:cmAuthorLst>
 </file>
 
-<file path=ppt/revisionInfo.xml><?xml version="1.0" encoding="utf-8"?>
-<p1510:revInfo xmlns:a="http://schemas.openxmlformats.org/drawingml/2006/main" xmlns:r="http://schemas.openxmlformats.org/officeDocument/2006/relationships" xmlns:p1510="http://schemas.microsoft.com/office/powerpoint/2015/10/main">
-  <p1510:revLst>
-    <p1510:client id="{0F60A406-24AA-4EA0-A4F4-FADF03B59A54}" v="12" dt="2019-07-25T22:47:46.135"/>
-  </p1510:revLst>
-</p1510:revInfo>
-</file>
-
-<file path=ppt/changesInfos/changesInfo1.xml><?xml version="1.0" encoding="utf-8"?>
-<pc:chgInfo xmlns:a="http://schemas.openxmlformats.org/drawingml/2006/main" xmlns:r="http://schemas.openxmlformats.org/officeDocument/2006/relationships" xmlns:ac="http://schemas.microsoft.com/office/drawing/2013/main/command" xmlns:pc="http://schemas.microsoft.com/office/powerpoint/2013/main/command">
-  <pc:docChgLst>
-    <pc:chgData name="Andriy Koval" userId="94b0ee10-df03-4853-b640-080a3ffc2346" providerId="ADAL" clId="{0F60A406-24AA-4EA0-A4F4-FADF03B59A54}"/>
-    <pc:docChg chg="undo custSel modSld">
-      <pc:chgData name="Andriy Koval" userId="94b0ee10-df03-4853-b640-080a3ffc2346" providerId="ADAL" clId="{0F60A406-24AA-4EA0-A4F4-FADF03B59A54}" dt="2019-07-25T22:47:47.828" v="25" actId="2085"/>
-      <pc:docMkLst>
-        <pc:docMk/>
-      </pc:docMkLst>
-      <pc:sldChg chg="addSp delSp modSp">
-        <pc:chgData name="Andriy Koval" userId="94b0ee10-df03-4853-b640-080a3ffc2346" providerId="ADAL" clId="{0F60A406-24AA-4EA0-A4F4-FADF03B59A54}" dt="2019-07-25T22:47:47.828" v="25" actId="2085"/>
-        <pc:sldMkLst>
-          <pc:docMk/>
-          <pc:sldMk cId="1166155303" sldId="261"/>
-        </pc:sldMkLst>
-        <pc:spChg chg="mod">
-          <ac:chgData name="Andriy Koval" userId="94b0ee10-df03-4853-b640-080a3ffc2346" providerId="ADAL" clId="{0F60A406-24AA-4EA0-A4F4-FADF03B59A54}" dt="2019-07-25T22:47:47.828" v="25" actId="2085"/>
-          <ac:spMkLst>
-            <pc:docMk/>
-            <pc:sldMk cId="1166155303" sldId="261"/>
-            <ac:spMk id="4" creationId="{C7655D2B-19B8-4DFA-9021-B1ECC94B9D22}"/>
-          </ac:spMkLst>
-        </pc:spChg>
-        <pc:spChg chg="mod">
-          <ac:chgData name="Andriy Koval" userId="94b0ee10-df03-4853-b640-080a3ffc2346" providerId="ADAL" clId="{0F60A406-24AA-4EA0-A4F4-FADF03B59A54}" dt="2019-07-25T22:47:47.828" v="25" actId="2085"/>
-          <ac:spMkLst>
-            <pc:docMk/>
-            <pc:sldMk cId="1166155303" sldId="261"/>
-            <ac:spMk id="5" creationId="{D7B3B870-1F00-4BCE-B580-A12C4F1B87D4}"/>
-          </ac:spMkLst>
-        </pc:spChg>
-        <pc:spChg chg="add del mod">
-          <ac:chgData name="Andriy Koval" userId="94b0ee10-df03-4853-b640-080a3ffc2346" providerId="ADAL" clId="{0F60A406-24AA-4EA0-A4F4-FADF03B59A54}" dt="2019-07-25T22:44:53.636" v="2" actId="478"/>
-          <ac:spMkLst>
-            <pc:docMk/>
-            <pc:sldMk cId="1166155303" sldId="261"/>
-            <ac:spMk id="6" creationId="{FF631137-D575-46D5-92B8-C8D609B1A524}"/>
-          </ac:spMkLst>
-        </pc:spChg>
-        <pc:spChg chg="add del mod">
-          <ac:chgData name="Andriy Koval" userId="94b0ee10-df03-4853-b640-080a3ffc2346" providerId="ADAL" clId="{0F60A406-24AA-4EA0-A4F4-FADF03B59A54}" dt="2019-07-25T22:44:53.636" v="2" actId="478"/>
-          <ac:spMkLst>
-            <pc:docMk/>
-            <pc:sldMk cId="1166155303" sldId="261"/>
-            <ac:spMk id="8" creationId="{850C8D08-16B1-4A48-9983-2AC1B2811025}"/>
-          </ac:spMkLst>
-        </pc:spChg>
-        <pc:spChg chg="add del mod">
-          <ac:chgData name="Andriy Koval" userId="94b0ee10-df03-4853-b640-080a3ffc2346" providerId="ADAL" clId="{0F60A406-24AA-4EA0-A4F4-FADF03B59A54}" dt="2019-07-25T22:44:53.636" v="2" actId="478"/>
-          <ac:spMkLst>
-            <pc:docMk/>
-            <pc:sldMk cId="1166155303" sldId="261"/>
-            <ac:spMk id="9" creationId="{41500D09-7A58-42D5-8785-C4B1EE6952DF}"/>
-          </ac:spMkLst>
-        </pc:spChg>
-        <pc:spChg chg="add del mod">
-          <ac:chgData name="Andriy Koval" userId="94b0ee10-df03-4853-b640-080a3ffc2346" providerId="ADAL" clId="{0F60A406-24AA-4EA0-A4F4-FADF03B59A54}" dt="2019-07-25T22:44:53.636" v="2" actId="478"/>
-          <ac:spMkLst>
-            <pc:docMk/>
-            <pc:sldMk cId="1166155303" sldId="261"/>
-            <ac:spMk id="10" creationId="{EF1EA7FE-09E5-466D-98F1-A6E56F6C12A3}"/>
-          </ac:spMkLst>
-        </pc:spChg>
-        <pc:spChg chg="add del mod">
-          <ac:chgData name="Andriy Koval" userId="94b0ee10-df03-4853-b640-080a3ffc2346" providerId="ADAL" clId="{0F60A406-24AA-4EA0-A4F4-FADF03B59A54}" dt="2019-07-25T22:44:53.636" v="2" actId="478"/>
-          <ac:spMkLst>
-            <pc:docMk/>
-            <pc:sldMk cId="1166155303" sldId="261"/>
-            <ac:spMk id="11" creationId="{0878ED64-1110-4E38-9D6A-D0E570B361F6}"/>
-          </ac:spMkLst>
-        </pc:spChg>
-        <pc:spChg chg="add del mod">
-          <ac:chgData name="Andriy Koval" userId="94b0ee10-df03-4853-b640-080a3ffc2346" providerId="ADAL" clId="{0F60A406-24AA-4EA0-A4F4-FADF03B59A54}" dt="2019-07-25T22:44:53.636" v="2" actId="478"/>
-          <ac:spMkLst>
-            <pc:docMk/>
-            <pc:sldMk cId="1166155303" sldId="261"/>
-            <ac:spMk id="12" creationId="{85F9CBFE-17E1-4A2C-A85C-153464942C5C}"/>
-          </ac:spMkLst>
-        </pc:spChg>
-        <pc:spChg chg="add del mod">
-          <ac:chgData name="Andriy Koval" userId="94b0ee10-df03-4853-b640-080a3ffc2346" providerId="ADAL" clId="{0F60A406-24AA-4EA0-A4F4-FADF03B59A54}" dt="2019-07-25T22:44:53.636" v="2" actId="478"/>
-          <ac:spMkLst>
-            <pc:docMk/>
-            <pc:sldMk cId="1166155303" sldId="261"/>
-            <ac:spMk id="13" creationId="{5A65E5DE-BC42-4814-9CFE-246F7DC8B7A3}"/>
-          </ac:spMkLst>
-        </pc:spChg>
-        <pc:spChg chg="add del mod">
-          <ac:chgData name="Andriy Koval" userId="94b0ee10-df03-4853-b640-080a3ffc2346" providerId="ADAL" clId="{0F60A406-24AA-4EA0-A4F4-FADF03B59A54}" dt="2019-07-25T22:44:53.636" v="2" actId="478"/>
-          <ac:spMkLst>
-            <pc:docMk/>
-            <pc:sldMk cId="1166155303" sldId="261"/>
-            <ac:spMk id="14" creationId="{57B59558-F161-4732-9834-87922F400F9A}"/>
-          </ac:spMkLst>
-        </pc:spChg>
-        <pc:spChg chg="add del mod">
-          <ac:chgData name="Andriy Koval" userId="94b0ee10-df03-4853-b640-080a3ffc2346" providerId="ADAL" clId="{0F60A406-24AA-4EA0-A4F4-FADF03B59A54}" dt="2019-07-25T22:44:53.636" v="2" actId="478"/>
-          <ac:spMkLst>
-            <pc:docMk/>
-            <pc:sldMk cId="1166155303" sldId="261"/>
-            <ac:spMk id="15" creationId="{E9729518-D9C2-45DB-8F23-11F4055F3B01}"/>
-          </ac:spMkLst>
-        </pc:spChg>
-        <pc:spChg chg="add del mod">
-          <ac:chgData name="Andriy Koval" userId="94b0ee10-df03-4853-b640-080a3ffc2346" providerId="ADAL" clId="{0F60A406-24AA-4EA0-A4F4-FADF03B59A54}" dt="2019-07-25T22:44:53.636" v="2" actId="478"/>
-          <ac:spMkLst>
-            <pc:docMk/>
-            <pc:sldMk cId="1166155303" sldId="261"/>
-            <ac:spMk id="16" creationId="{F3E70AB6-3D8C-45D8-AE17-BFDEB86BAD73}"/>
-          </ac:spMkLst>
-        </pc:spChg>
-        <pc:spChg chg="add mod">
-          <ac:chgData name="Andriy Koval" userId="94b0ee10-df03-4853-b640-080a3ffc2346" providerId="ADAL" clId="{0F60A406-24AA-4EA0-A4F4-FADF03B59A54}" dt="2019-07-25T22:47:19.549" v="21" actId="1076"/>
-          <ac:spMkLst>
-            <pc:docMk/>
-            <pc:sldMk cId="1166155303" sldId="261"/>
-            <ac:spMk id="19" creationId="{93962C7A-169C-4D47-99C7-86E5D8438498}"/>
-          </ac:spMkLst>
-        </pc:spChg>
-        <pc:spChg chg="mod">
-          <ac:chgData name="Andriy Koval" userId="94b0ee10-df03-4853-b640-080a3ffc2346" providerId="ADAL" clId="{0F60A406-24AA-4EA0-A4F4-FADF03B59A54}" dt="2019-07-25T22:47:47.828" v="25" actId="2085"/>
-          <ac:spMkLst>
-            <pc:docMk/>
-            <pc:sldMk cId="1166155303" sldId="261"/>
-            <ac:spMk id="20" creationId="{44B3C268-0FD1-4AA2-A775-2C1F6C3D736C}"/>
-          </ac:spMkLst>
-        </pc:spChg>
-        <pc:spChg chg="add mod">
-          <ac:chgData name="Andriy Koval" userId="94b0ee10-df03-4853-b640-080a3ffc2346" providerId="ADAL" clId="{0F60A406-24AA-4EA0-A4F4-FADF03B59A54}" dt="2019-07-25T22:47:19.549" v="21" actId="1076"/>
-          <ac:spMkLst>
-            <pc:docMk/>
-            <pc:sldMk cId="1166155303" sldId="261"/>
-            <ac:spMk id="21" creationId="{D8449574-D598-4044-841F-F7F8F7156326}"/>
-          </ac:spMkLst>
-        </pc:spChg>
-        <pc:spChg chg="add mod">
-          <ac:chgData name="Andriy Koval" userId="94b0ee10-df03-4853-b640-080a3ffc2346" providerId="ADAL" clId="{0F60A406-24AA-4EA0-A4F4-FADF03B59A54}" dt="2019-07-25T22:47:19.549" v="21" actId="1076"/>
-          <ac:spMkLst>
-            <pc:docMk/>
-            <pc:sldMk cId="1166155303" sldId="261"/>
-            <ac:spMk id="22" creationId="{4E931F78-C6DA-4782-B922-502F43F3E649}"/>
-          </ac:spMkLst>
-        </pc:spChg>
-        <pc:spChg chg="add mod">
-          <ac:chgData name="Andriy Koval" userId="94b0ee10-df03-4853-b640-080a3ffc2346" providerId="ADAL" clId="{0F60A406-24AA-4EA0-A4F4-FADF03B59A54}" dt="2019-07-25T22:47:19.549" v="21" actId="1076"/>
-          <ac:spMkLst>
-            <pc:docMk/>
-            <pc:sldMk cId="1166155303" sldId="261"/>
-            <ac:spMk id="23" creationId="{BD974576-EEED-42EC-A465-C03EE9590823}"/>
-          </ac:spMkLst>
-        </pc:spChg>
-        <pc:spChg chg="add mod">
-          <ac:chgData name="Andriy Koval" userId="94b0ee10-df03-4853-b640-080a3ffc2346" providerId="ADAL" clId="{0F60A406-24AA-4EA0-A4F4-FADF03B59A54}" dt="2019-07-25T22:47:19.549" v="21" actId="1076"/>
-          <ac:spMkLst>
-            <pc:docMk/>
-            <pc:sldMk cId="1166155303" sldId="261"/>
-            <ac:spMk id="24" creationId="{82EB9301-7684-40C9-AF3D-DA10AD3D2BE1}"/>
-          </ac:spMkLst>
-        </pc:spChg>
-        <pc:spChg chg="add del mod">
-          <ac:chgData name="Andriy Koval" userId="94b0ee10-df03-4853-b640-080a3ffc2346" providerId="ADAL" clId="{0F60A406-24AA-4EA0-A4F4-FADF03B59A54}" dt="2019-07-25T22:47:25.577" v="22" actId="478"/>
-          <ac:spMkLst>
-            <pc:docMk/>
-            <pc:sldMk cId="1166155303" sldId="261"/>
-            <ac:spMk id="25" creationId="{F8E900C4-0987-4A23-B212-1FEB82F0AAFA}"/>
-          </ac:spMkLst>
-        </pc:spChg>
-        <pc:spChg chg="add mod">
-          <ac:chgData name="Andriy Koval" userId="94b0ee10-df03-4853-b640-080a3ffc2346" providerId="ADAL" clId="{0F60A406-24AA-4EA0-A4F4-FADF03B59A54}" dt="2019-07-25T22:47:19.549" v="21" actId="1076"/>
-          <ac:spMkLst>
-            <pc:docMk/>
-            <pc:sldMk cId="1166155303" sldId="261"/>
-            <ac:spMk id="26" creationId="{6FD7E8BF-3952-4E4A-B174-CE959BEBBB63}"/>
-          </ac:spMkLst>
-        </pc:spChg>
-        <pc:picChg chg="del">
-          <ac:chgData name="Andriy Koval" userId="94b0ee10-df03-4853-b640-080a3ffc2346" providerId="ADAL" clId="{0F60A406-24AA-4EA0-A4F4-FADF03B59A54}" dt="2019-07-25T22:45:10.058" v="6" actId="478"/>
-          <ac:picMkLst>
-            <pc:docMk/>
-            <pc:sldMk cId="1166155303" sldId="261"/>
-            <ac:picMk id="3" creationId="{35046DA1-9A00-455E-9E05-4F60A1C8BDB4}"/>
-          </ac:picMkLst>
-        </pc:picChg>
-        <pc:picChg chg="add del mod">
-          <ac:chgData name="Andriy Koval" userId="94b0ee10-df03-4853-b640-080a3ffc2346" providerId="ADAL" clId="{0F60A406-24AA-4EA0-A4F4-FADF03B59A54}" dt="2019-07-25T22:44:53.636" v="2" actId="478"/>
-          <ac:picMkLst>
-            <pc:docMk/>
-            <pc:sldMk cId="1166155303" sldId="261"/>
-            <ac:picMk id="7" creationId="{2F018066-B28B-4DCD-AF5A-8FD91BE291A1}"/>
-          </ac:picMkLst>
-        </pc:picChg>
-        <pc:picChg chg="add mod">
-          <ac:chgData name="Andriy Koval" userId="94b0ee10-df03-4853-b640-080a3ffc2346" providerId="ADAL" clId="{0F60A406-24AA-4EA0-A4F4-FADF03B59A54}" dt="2019-07-25T22:45:48.654" v="9" actId="1076"/>
-          <ac:picMkLst>
-            <pc:docMk/>
-            <pc:sldMk cId="1166155303" sldId="261"/>
-            <ac:picMk id="17" creationId="{60B9A34B-EEFF-412E-8C90-E6488EAE684E}"/>
-          </ac:picMkLst>
-        </pc:picChg>
-        <pc:picChg chg="add del mod">
-          <ac:chgData name="Andriy Koval" userId="94b0ee10-df03-4853-b640-080a3ffc2346" providerId="ADAL" clId="{0F60A406-24AA-4EA0-A4F4-FADF03B59A54}" dt="2019-07-25T22:47:28.108" v="23" actId="478"/>
-          <ac:picMkLst>
-            <pc:docMk/>
-            <pc:sldMk cId="1166155303" sldId="261"/>
-            <ac:picMk id="18" creationId="{E642AC96-D41E-4E1C-BB5B-6E3A66CE40FD}"/>
-          </ac:picMkLst>
-        </pc:picChg>
-      </pc:sldChg>
-    </pc:docChg>
-  </pc:docChgLst>
-</pc:chgInfo>
-</file>
-
 <file path=ppt/slideLayouts/slideLayout1.xml><?xml version="1.0" encoding="utf-8"?>
 <p:sldLayout xmlns:a="http://schemas.openxmlformats.org/drawingml/2006/main" xmlns:r="http://schemas.openxmlformats.org/officeDocument/2006/relationships" xmlns:p="http://schemas.openxmlformats.org/presentationml/2006/main" type="title" preserve="1">
   <p:cSld name="Title Slide">
@@ -477,7 +256,7 @@
           <a:p>
             <a:fld id="{699082D2-728E-47B7-AA51-904213E59808}" type="datetimeFigureOut">
               <a:rPr lang="en-US" smtClean="0"/>
-              <a:t>7/25/2019</a:t>
+              <a:t>2020-07-07</a:t>
             </a:fld>
             <a:endParaRPr lang="en-US"/>
           </a:p>
@@ -647,7 +426,7 @@
           <a:p>
             <a:fld id="{699082D2-728E-47B7-AA51-904213E59808}" type="datetimeFigureOut">
               <a:rPr lang="en-US" smtClean="0"/>
-              <a:t>7/25/2019</a:t>
+              <a:t>2020-07-07</a:t>
             </a:fld>
             <a:endParaRPr lang="en-US"/>
           </a:p>
@@ -827,7 +606,7 @@
           <a:p>
             <a:fld id="{699082D2-728E-47B7-AA51-904213E59808}" type="datetimeFigureOut">
               <a:rPr lang="en-US" smtClean="0"/>
-              <a:t>7/25/2019</a:t>
+              <a:t>2020-07-07</a:t>
             </a:fld>
             <a:endParaRPr lang="en-US"/>
           </a:p>
@@ -997,7 +776,7 @@
           <a:p>
             <a:fld id="{699082D2-728E-47B7-AA51-904213E59808}" type="datetimeFigureOut">
               <a:rPr lang="en-US" smtClean="0"/>
-              <a:t>7/25/2019</a:t>
+              <a:t>2020-07-07</a:t>
             </a:fld>
             <a:endParaRPr lang="en-US"/>
           </a:p>
@@ -1241,7 +1020,7 @@
           <a:p>
             <a:fld id="{699082D2-728E-47B7-AA51-904213E59808}" type="datetimeFigureOut">
               <a:rPr lang="en-US" smtClean="0"/>
-              <a:t>7/25/2019</a:t>
+              <a:t>2020-07-07</a:t>
             </a:fld>
             <a:endParaRPr lang="en-US"/>
           </a:p>
@@ -1473,7 +1252,7 @@
           <a:p>
             <a:fld id="{699082D2-728E-47B7-AA51-904213E59808}" type="datetimeFigureOut">
               <a:rPr lang="en-US" smtClean="0"/>
-              <a:t>7/25/2019</a:t>
+              <a:t>2020-07-07</a:t>
             </a:fld>
             <a:endParaRPr lang="en-US"/>
           </a:p>
@@ -1840,7 +1619,7 @@
           <a:p>
             <a:fld id="{699082D2-728E-47B7-AA51-904213E59808}" type="datetimeFigureOut">
               <a:rPr lang="en-US" smtClean="0"/>
-              <a:t>7/25/2019</a:t>
+              <a:t>2020-07-07</a:t>
             </a:fld>
             <a:endParaRPr lang="en-US"/>
           </a:p>
@@ -1958,7 +1737,7 @@
           <a:p>
             <a:fld id="{699082D2-728E-47B7-AA51-904213E59808}" type="datetimeFigureOut">
               <a:rPr lang="en-US" smtClean="0"/>
-              <a:t>7/25/2019</a:t>
+              <a:t>2020-07-07</a:t>
             </a:fld>
             <a:endParaRPr lang="en-US"/>
           </a:p>
@@ -2053,7 +1832,7 @@
           <a:p>
             <a:fld id="{699082D2-728E-47B7-AA51-904213E59808}" type="datetimeFigureOut">
               <a:rPr lang="en-US" smtClean="0"/>
-              <a:t>7/25/2019</a:t>
+              <a:t>2020-07-07</a:t>
             </a:fld>
             <a:endParaRPr lang="en-US"/>
           </a:p>
@@ -2330,7 +2109,7 @@
           <a:p>
             <a:fld id="{699082D2-728E-47B7-AA51-904213E59808}" type="datetimeFigureOut">
               <a:rPr lang="en-US" smtClean="0"/>
-              <a:t>7/25/2019</a:t>
+              <a:t>2020-07-07</a:t>
             </a:fld>
             <a:endParaRPr lang="en-US"/>
           </a:p>
@@ -2587,7 +2366,7 @@
           <a:p>
             <a:fld id="{699082D2-728E-47B7-AA51-904213E59808}" type="datetimeFigureOut">
               <a:rPr lang="en-US" smtClean="0"/>
-              <a:t>7/25/2019</a:t>
+              <a:t>2020-07-07</a:t>
             </a:fld>
             <a:endParaRPr lang="en-US"/>
           </a:p>
@@ -2800,7 +2579,7 @@
           <a:p>
             <a:fld id="{699082D2-728E-47B7-AA51-904213E59808}" type="datetimeFigureOut">
               <a:rPr lang="en-US" smtClean="0"/>
-              <a:t>7/25/2019</a:t>
+              <a:t>2020-07-07</a:t>
             </a:fld>
             <a:endParaRPr lang="en-US"/>
           </a:p>
@@ -6834,7 +6613,12 @@
           </a:prstGeom>
           <a:noFill/>
           <a:ln>
-            <a:noFill/>
+            <a:solidFill>
+              <a:schemeClr val="accent3">
+                <a:lumMod val="60000"/>
+                <a:lumOff val="40000"/>
+              </a:schemeClr>
+            </a:solidFill>
           </a:ln>
         </p:spPr>
         <p:style>
@@ -6887,7 +6671,12 @@
           </a:prstGeom>
           <a:noFill/>
           <a:ln>
-            <a:noFill/>
+            <a:solidFill>
+              <a:schemeClr val="accent3">
+                <a:lumMod val="60000"/>
+                <a:lumOff val="40000"/>
+              </a:schemeClr>
+            </a:solidFill>
           </a:ln>
         </p:spPr>
         <p:style>
@@ -6943,7 +6732,12 @@
           </a:prstGeom>
           <a:noFill/>
           <a:ln>
-            <a:noFill/>
+            <a:solidFill>
+              <a:schemeClr val="accent3">
+                <a:lumMod val="60000"/>
+                <a:lumOff val="40000"/>
+              </a:schemeClr>
+            </a:solidFill>
           </a:ln>
         </p:spPr>
         <p:style>
@@ -6971,391 +6765,6 @@
               <a:latin typeface="Arial" panose="020B0604020202020204" pitchFamily="34" charset="0"/>
               <a:cs typeface="Arial" panose="020B0604020202020204" pitchFamily="34" charset="0"/>
             </a:endParaRPr>
-          </a:p>
-        </p:txBody>
-      </p:sp>
-      <p:pic>
-        <p:nvPicPr>
-          <p:cNvPr id="17" name="Picture 16">
-            <a:extLst>
-              <a:ext uri="{FF2B5EF4-FFF2-40B4-BE49-F238E27FC236}">
-                <a16:creationId xmlns:a16="http://schemas.microsoft.com/office/drawing/2014/main" id="{60B9A34B-EEFF-412E-8C90-E6488EAE684E}"/>
-              </a:ext>
-            </a:extLst>
-          </p:cNvPr>
-          <p:cNvPicPr>
-            <a:picLocks noChangeAspect="1"/>
-          </p:cNvPicPr>
-          <p:nvPr/>
-        </p:nvPicPr>
-        <p:blipFill>
-          <a:blip r:embed="rId2">
-            <a:extLst>
-              <a:ext uri="{28A0092B-C50C-407E-A947-70E740481C1C}">
-                <a14:useLocalDpi xmlns:a14="http://schemas.microsoft.com/office/drawing/2010/main" val="0"/>
-              </a:ext>
-            </a:extLst>
-          </a:blip>
-          <a:stretch>
-            <a:fillRect/>
-          </a:stretch>
-        </p:blipFill>
-        <p:spPr>
-          <a:xfrm>
-            <a:off x="2956264" y="978099"/>
-            <a:ext cx="4358936" cy="3269202"/>
-          </a:xfrm>
-          <a:prstGeom prst="rect">
-            <a:avLst/>
-          </a:prstGeom>
-        </p:spPr>
-      </p:pic>
-      <p:sp>
-        <p:nvSpPr>
-          <p:cNvPr id="19" name="Rectangle 18">
-            <a:extLst>
-              <a:ext uri="{FF2B5EF4-FFF2-40B4-BE49-F238E27FC236}">
-                <a16:creationId xmlns:a16="http://schemas.microsoft.com/office/drawing/2014/main" id="{93962C7A-169C-4D47-99C7-86E5D8438498}"/>
-              </a:ext>
-            </a:extLst>
-          </p:cNvPr>
-          <p:cNvSpPr/>
-          <p:nvPr/>
-        </p:nvSpPr>
-        <p:spPr>
-          <a:xfrm>
-            <a:off x="114948" y="1631909"/>
-            <a:ext cx="2673937" cy="369332"/>
-          </a:xfrm>
-          <a:prstGeom prst="rect">
-            <a:avLst/>
-          </a:prstGeom>
-          <a:solidFill>
-            <a:srgbClr val="E41A1C"/>
-          </a:solidFill>
-          <a:ln>
-            <a:solidFill>
-              <a:schemeClr val="tx1"/>
-            </a:solidFill>
-          </a:ln>
-        </p:spPr>
-        <p:style>
-          <a:lnRef idx="2">
-            <a:schemeClr val="dk1"/>
-          </a:lnRef>
-          <a:fillRef idx="1">
-            <a:schemeClr val="lt1"/>
-          </a:fillRef>
-          <a:effectRef idx="0">
-            <a:schemeClr val="dk1"/>
-          </a:effectRef>
-          <a:fontRef idx="minor">
-            <a:schemeClr val="dk1"/>
-          </a:fontRef>
-        </p:style>
-        <p:txBody>
-          <a:bodyPr wrap="square">
-            <a:spAutoFit/>
-          </a:bodyPr>
-          <a:lstStyle/>
-          <a:p>
-            <a:r>
-              <a:rPr lang="en-US" dirty="0">
-                <a:solidFill>
-                  <a:schemeClr val="bg1"/>
-                </a:solidFill>
-                <a:latin typeface="+mj-lt"/>
-                <a:cs typeface="Arial" panose="020B0604020202020204" pitchFamily="34" charset="0"/>
-              </a:rPr>
-              <a:t>Substantially increased risk</a:t>
-            </a:r>
-          </a:p>
-        </p:txBody>
-      </p:sp>
-      <p:sp>
-        <p:nvSpPr>
-          <p:cNvPr id="21" name="Rectangle 20">
-            <a:extLst>
-              <a:ext uri="{FF2B5EF4-FFF2-40B4-BE49-F238E27FC236}">
-                <a16:creationId xmlns:a16="http://schemas.microsoft.com/office/drawing/2014/main" id="{D8449574-D598-4044-841F-F7F8F7156326}"/>
-              </a:ext>
-            </a:extLst>
-          </p:cNvPr>
-          <p:cNvSpPr/>
-          <p:nvPr/>
-        </p:nvSpPr>
-        <p:spPr>
-          <a:xfrm>
-            <a:off x="114948" y="2150463"/>
-            <a:ext cx="2576796" cy="369332"/>
-          </a:xfrm>
-          <a:prstGeom prst="rect">
-            <a:avLst/>
-          </a:prstGeom>
-          <a:solidFill>
-            <a:srgbClr val="FF7F00"/>
-          </a:solidFill>
-          <a:ln>
-            <a:solidFill>
-              <a:schemeClr val="tx1"/>
-            </a:solidFill>
-          </a:ln>
-        </p:spPr>
-        <p:style>
-          <a:lnRef idx="2">
-            <a:schemeClr val="dk1"/>
-          </a:lnRef>
-          <a:fillRef idx="1">
-            <a:schemeClr val="lt1"/>
-          </a:fillRef>
-          <a:effectRef idx="0">
-            <a:schemeClr val="dk1"/>
-          </a:effectRef>
-          <a:fontRef idx="minor">
-            <a:schemeClr val="dk1"/>
-          </a:fontRef>
-        </p:style>
-        <p:txBody>
-          <a:bodyPr wrap="square">
-            <a:spAutoFit/>
-          </a:bodyPr>
-          <a:lstStyle/>
-          <a:p>
-            <a:r>
-              <a:rPr lang="en-US" dirty="0">
-                <a:solidFill>
-                  <a:schemeClr val="tx1"/>
-                </a:solidFill>
-                <a:latin typeface="+mj-lt"/>
-                <a:cs typeface="Arial" panose="020B0604020202020204" pitchFamily="34" charset="0"/>
-              </a:rPr>
-              <a:t>Moderately increased risk</a:t>
-            </a:r>
-          </a:p>
-        </p:txBody>
-      </p:sp>
-      <p:sp>
-        <p:nvSpPr>
-          <p:cNvPr id="22" name="Rectangle 21">
-            <a:extLst>
-              <a:ext uri="{FF2B5EF4-FFF2-40B4-BE49-F238E27FC236}">
-                <a16:creationId xmlns:a16="http://schemas.microsoft.com/office/drawing/2014/main" id="{4E931F78-C6DA-4782-B922-502F43F3E649}"/>
-              </a:ext>
-            </a:extLst>
-          </p:cNvPr>
-          <p:cNvSpPr/>
-          <p:nvPr/>
-        </p:nvSpPr>
-        <p:spPr>
-          <a:xfrm>
-            <a:off x="114948" y="2669017"/>
-            <a:ext cx="1711815" cy="369332"/>
-          </a:xfrm>
-          <a:prstGeom prst="rect">
-            <a:avLst/>
-          </a:prstGeom>
-          <a:solidFill>
-            <a:srgbClr val="4DAF4A"/>
-          </a:solidFill>
-          <a:ln>
-            <a:solidFill>
-              <a:schemeClr val="tx1"/>
-            </a:solidFill>
-          </a:ln>
-        </p:spPr>
-        <p:style>
-          <a:lnRef idx="2">
-            <a:schemeClr val="dk1"/>
-          </a:lnRef>
-          <a:fillRef idx="1">
-            <a:schemeClr val="lt1"/>
-          </a:fillRef>
-          <a:effectRef idx="0">
-            <a:schemeClr val="dk1"/>
-          </a:effectRef>
-          <a:fontRef idx="minor">
-            <a:schemeClr val="dk1"/>
-          </a:fontRef>
-        </p:style>
-        <p:txBody>
-          <a:bodyPr wrap="square">
-            <a:spAutoFit/>
-          </a:bodyPr>
-          <a:lstStyle/>
-          <a:p>
-            <a:r>
-              <a:rPr lang="en-US" dirty="0">
-                <a:solidFill>
-                  <a:schemeClr val="tx1"/>
-                </a:solidFill>
-                <a:latin typeface="+mj-lt"/>
-                <a:cs typeface="Arial" panose="020B0604020202020204" pitchFamily="34" charset="0"/>
-              </a:rPr>
-              <a:t>Reference group</a:t>
-            </a:r>
-          </a:p>
-        </p:txBody>
-      </p:sp>
-      <p:sp>
-        <p:nvSpPr>
-          <p:cNvPr id="23" name="Rectangle 22">
-            <a:extLst>
-              <a:ext uri="{FF2B5EF4-FFF2-40B4-BE49-F238E27FC236}">
-                <a16:creationId xmlns:a16="http://schemas.microsoft.com/office/drawing/2014/main" id="{BD974576-EEED-42EC-A465-C03EE9590823}"/>
-              </a:ext>
-            </a:extLst>
-          </p:cNvPr>
-          <p:cNvSpPr/>
-          <p:nvPr/>
-        </p:nvSpPr>
-        <p:spPr>
-          <a:xfrm>
-            <a:off x="114948" y="3151540"/>
-            <a:ext cx="2639312" cy="369332"/>
-          </a:xfrm>
-          <a:prstGeom prst="rect">
-            <a:avLst/>
-          </a:prstGeom>
-          <a:solidFill>
-            <a:srgbClr val="377EB8"/>
-          </a:solidFill>
-          <a:ln>
-            <a:solidFill>
-              <a:schemeClr val="tx1"/>
-            </a:solidFill>
-          </a:ln>
-        </p:spPr>
-        <p:style>
-          <a:lnRef idx="2">
-            <a:schemeClr val="dk1"/>
-          </a:lnRef>
-          <a:fillRef idx="1">
-            <a:schemeClr val="lt1"/>
-          </a:fillRef>
-          <a:effectRef idx="0">
-            <a:schemeClr val="dk1"/>
-          </a:effectRef>
-          <a:fontRef idx="minor">
-            <a:schemeClr val="dk1"/>
-          </a:fontRef>
-        </p:style>
-        <p:txBody>
-          <a:bodyPr wrap="square">
-            <a:spAutoFit/>
-          </a:bodyPr>
-          <a:lstStyle/>
-          <a:p>
-            <a:r>
-              <a:rPr lang="en-US" dirty="0">
-                <a:solidFill>
-                  <a:schemeClr val="tx1"/>
-                </a:solidFill>
-                <a:latin typeface="+mj-lt"/>
-                <a:cs typeface="Arial" panose="020B0604020202020204" pitchFamily="34" charset="0"/>
-              </a:rPr>
-              <a:t>Moderately decreased risk</a:t>
-            </a:r>
-          </a:p>
-        </p:txBody>
-      </p:sp>
-      <p:sp>
-        <p:nvSpPr>
-          <p:cNvPr id="24" name="Rectangle 23">
-            <a:extLst>
-              <a:ext uri="{FF2B5EF4-FFF2-40B4-BE49-F238E27FC236}">
-                <a16:creationId xmlns:a16="http://schemas.microsoft.com/office/drawing/2014/main" id="{82EB9301-7684-40C9-AF3D-DA10AD3D2BE1}"/>
-              </a:ext>
-            </a:extLst>
-          </p:cNvPr>
-          <p:cNvSpPr/>
-          <p:nvPr/>
-        </p:nvSpPr>
-        <p:spPr>
-          <a:xfrm>
-            <a:off x="114948" y="3706125"/>
-            <a:ext cx="2736455" cy="369332"/>
-          </a:xfrm>
-          <a:prstGeom prst="rect">
-            <a:avLst/>
-          </a:prstGeom>
-          <a:solidFill>
-            <a:srgbClr val="984EA3"/>
-          </a:solidFill>
-          <a:ln>
-            <a:solidFill>
-              <a:schemeClr val="tx1"/>
-            </a:solidFill>
-          </a:ln>
-        </p:spPr>
-        <p:style>
-          <a:lnRef idx="2">
-            <a:schemeClr val="dk1"/>
-          </a:lnRef>
-          <a:fillRef idx="1">
-            <a:schemeClr val="lt1"/>
-          </a:fillRef>
-          <a:effectRef idx="0">
-            <a:schemeClr val="dk1"/>
-          </a:effectRef>
-          <a:fontRef idx="minor">
-            <a:schemeClr val="dk1"/>
-          </a:fontRef>
-        </p:style>
-        <p:txBody>
-          <a:bodyPr wrap="square">
-            <a:spAutoFit/>
-          </a:bodyPr>
-          <a:lstStyle/>
-          <a:p>
-            <a:r>
-              <a:rPr lang="en-US" dirty="0">
-                <a:solidFill>
-                  <a:schemeClr val="bg1"/>
-                </a:solidFill>
-                <a:latin typeface="+mj-lt"/>
-                <a:cs typeface="Arial" panose="020B0604020202020204" pitchFamily="34" charset="0"/>
-              </a:rPr>
-              <a:t>Substantially decreased risk</a:t>
-            </a:r>
-          </a:p>
-        </p:txBody>
-      </p:sp>
-      <p:sp>
-        <p:nvSpPr>
-          <p:cNvPr id="26" name="TextBox 25">
-            <a:extLst>
-              <a:ext uri="{FF2B5EF4-FFF2-40B4-BE49-F238E27FC236}">
-                <a16:creationId xmlns:a16="http://schemas.microsoft.com/office/drawing/2014/main" id="{6FD7E8BF-3952-4E4A-B174-CE959BEBBB63}"/>
-              </a:ext>
-            </a:extLst>
-          </p:cNvPr>
-          <p:cNvSpPr txBox="1"/>
-          <p:nvPr/>
-        </p:nvSpPr>
-        <p:spPr>
-          <a:xfrm>
-            <a:off x="0" y="1054427"/>
-            <a:ext cx="2994675" cy="523220"/>
-          </a:xfrm>
-          <a:prstGeom prst="rect">
-            <a:avLst/>
-          </a:prstGeom>
-          <a:noFill/>
-        </p:spPr>
-        <p:txBody>
-          <a:bodyPr wrap="square" rtlCol="0">
-            <a:spAutoFit/>
-          </a:bodyPr>
-          <a:lstStyle/>
-          <a:p>
-            <a:pPr algn="ctr"/>
-            <a:r>
-              <a:rPr lang="en-US" sz="2800" dirty="0">
-                <a:latin typeface="Arial Narrow" panose="020B0606020202030204" pitchFamily="34" charset="0"/>
-                <a:cs typeface="Arial" panose="020B0604020202020204" pitchFamily="34" charset="0"/>
-              </a:rPr>
-              <a:t>Informed expectation</a:t>
-            </a:r>
           </a:p>
         </p:txBody>
       </p:sp>
@@ -7643,6 +7052,15 @@
 </file>
 
 <file path=customXml/item2.xml><?xml version="1.0" encoding="utf-8"?>
+<p:properties xmlns:p="http://schemas.microsoft.com/office/2006/metadata/properties" xmlns:xsi="http://www.w3.org/2001/XMLSchema-instance" xmlns:pc="http://schemas.microsoft.com/office/infopath/2007/PartnerControls">
+  <documentManagement>
+    <_ip_UnifiedCompliancePolicyUIAction xmlns="http://schemas.microsoft.com/sharepoint/v3" xsi:nil="true"/>
+    <_ip_UnifiedCompliancePolicyProperties xmlns="http://schemas.microsoft.com/sharepoint/v3" xsi:nil="true"/>
+  </documentManagement>
+</p:properties>
+</file>
+
+<file path=customXml/item3.xml><?xml version="1.0" encoding="utf-8"?>
 <ct:contentTypeSchema xmlns:ct="http://schemas.microsoft.com/office/2006/metadata/contentType" xmlns:ma="http://schemas.microsoft.com/office/2006/metadata/properties/metaAttributes" ct:_="" ma:_="" ma:contentTypeName="Document" ma:contentTypeID="0x01010007A4C25A60F58F4F9E2D77EB700D4DDD" ma:contentTypeVersion="15" ma:contentTypeDescription="Create a new document." ma:contentTypeScope="" ma:versionID="8710c4c97b9e130be92970e6791c71a6">
   <xsd:schema xmlns:xsd="http://www.w3.org/2001/XMLSchema" xmlns:xs="http://www.w3.org/2001/XMLSchema" xmlns:p="http://schemas.microsoft.com/office/2006/metadata/properties" xmlns:ns1="http://schemas.microsoft.com/sharepoint/v3" xmlns:ns3="216bde26-9634-4d6a-91fe-0c0c14b20b90" xmlns:ns4="c8e4db4b-48df-4a0d-a5ad-b048e586ef36" targetNamespace="http://schemas.microsoft.com/office/2006/metadata/properties" ma:root="true" ma:fieldsID="21a0cc795564e7308a3e331186d6c256" ns1:_="" ns3:_="" ns4:_="">
     <xsd:import namespace="http://schemas.microsoft.com/sharepoint/v3"/>
@@ -7882,15 +7300,6 @@
 </ct:contentTypeSchema>
 </file>
 
-<file path=customXml/item3.xml><?xml version="1.0" encoding="utf-8"?>
-<p:properties xmlns:p="http://schemas.microsoft.com/office/2006/metadata/properties" xmlns:xsi="http://www.w3.org/2001/XMLSchema-instance" xmlns:pc="http://schemas.microsoft.com/office/infopath/2007/PartnerControls">
-  <documentManagement>
-    <_ip_UnifiedCompliancePolicyUIAction xmlns="http://schemas.microsoft.com/sharepoint/v3" xsi:nil="true"/>
-    <_ip_UnifiedCompliancePolicyProperties xmlns="http://schemas.microsoft.com/sharepoint/v3" xsi:nil="true"/>
-  </documentManagement>
-</p:properties>
-</file>
-
 <file path=customXml/itemProps1.xml><?xml version="1.0" encoding="utf-8"?>
 <ds:datastoreItem xmlns:ds="http://schemas.openxmlformats.org/officeDocument/2006/customXml" ds:itemID="{07AA66D3-A468-4FD2-B192-9E6BD79914F3}">
   <ds:schemaRefs>
@@ -7900,6 +7309,24 @@
 </file>
 
 <file path=customXml/itemProps2.xml><?xml version="1.0" encoding="utf-8"?>
+<ds:datastoreItem xmlns:ds="http://schemas.openxmlformats.org/officeDocument/2006/customXml" ds:itemID="{92329657-48FE-49A3-A424-7C5B871C3595}">
+  <ds:schemaRefs>
+    <ds:schemaRef ds:uri="http://purl.org/dc/dcmitype/"/>
+    <ds:schemaRef ds:uri="http://schemas.microsoft.com/sharepoint/v3"/>
+    <ds:schemaRef ds:uri="http://purl.org/dc/elements/1.1/"/>
+    <ds:schemaRef ds:uri="http://purl.org/dc/terms/"/>
+    <ds:schemaRef ds:uri="http://schemas.microsoft.com/office/2006/metadata/properties"/>
+    <ds:schemaRef ds:uri="http://schemas.openxmlformats.org/package/2006/metadata/core-properties"/>
+    <ds:schemaRef ds:uri="http://schemas.microsoft.com/office/2006/documentManagement/types"/>
+    <ds:schemaRef ds:uri="http://schemas.microsoft.com/office/infopath/2007/PartnerControls"/>
+    <ds:schemaRef ds:uri="c8e4db4b-48df-4a0d-a5ad-b048e586ef36"/>
+    <ds:schemaRef ds:uri="216bde26-9634-4d6a-91fe-0c0c14b20b90"/>
+    <ds:schemaRef ds:uri="http://www.w3.org/XML/1998/namespace"/>
+  </ds:schemaRefs>
+</ds:datastoreItem>
+</file>
+
+<file path=customXml/itemProps3.xml><?xml version="1.0" encoding="utf-8"?>
 <ds:datastoreItem xmlns:ds="http://schemas.openxmlformats.org/officeDocument/2006/customXml" ds:itemID="{8ABEFD2E-E45F-4181-A504-5D747E6F588B}">
   <ds:schemaRefs>
     <ds:schemaRef ds:uri="http://schemas.microsoft.com/office/2006/metadata/contentType"/>
@@ -7917,22 +7344,4 @@
     <ds:schemaRef ds:uri="http://schemas.microsoft.com/internal/obd"/>
   </ds:schemaRefs>
 </ds:datastoreItem>
-</file>
-
-<file path=customXml/itemProps3.xml><?xml version="1.0" encoding="utf-8"?>
-<ds:datastoreItem xmlns:ds="http://schemas.openxmlformats.org/officeDocument/2006/customXml" ds:itemID="{92329657-48FE-49A3-A424-7C5B871C3595}">
-  <ds:schemaRefs>
-    <ds:schemaRef ds:uri="http://purl.org/dc/dcmitype/"/>
-    <ds:schemaRef ds:uri="http://schemas.microsoft.com/sharepoint/v3"/>
-    <ds:schemaRef ds:uri="http://purl.org/dc/elements/1.1/"/>
-    <ds:schemaRef ds:uri="http://purl.org/dc/terms/"/>
-    <ds:schemaRef ds:uri="http://schemas.microsoft.com/office/2006/metadata/properties"/>
-    <ds:schemaRef ds:uri="http://schemas.openxmlformats.org/package/2006/metadata/core-properties"/>
-    <ds:schemaRef ds:uri="http://schemas.microsoft.com/office/2006/documentManagement/types"/>
-    <ds:schemaRef ds:uri="http://schemas.microsoft.com/office/infopath/2007/PartnerControls"/>
-    <ds:schemaRef ds:uri="c8e4db4b-48df-4a0d-a5ad-b048e586ef36"/>
-    <ds:schemaRef ds:uri="216bde26-9634-4d6a-91fe-0c0c14b20b90"/>
-    <ds:schemaRef ds:uri="http://www.w3.org/XML/1998/namespace"/>
-  </ds:schemaRefs>
-</ds:datastoreItem>
 </file>